--- a/public/powerpoints/faded.pptx
+++ b/public/powerpoints/faded.pptx
@@ -3102,7 +3102,7 @@
           <a:p>
             <a:r>
               <a:rPr dirty="0" lang="en-US" smtClean="0"/>
-              <a:t>Faded</a:t>
+              <a:t>FADED</a:t>
             </a:r>
             <a:endParaRPr dirty="0" lang="en-US"/>
           </a:p>
@@ -3178,7 +3178,7 @@
           <a:p>
             <a:r>
               <a:rPr dirty="0" lang="en-US" smtClean="0"/>
-              <a:t>Faded</a:t>
+              <a:t>FADED</a:t>
             </a:r>
             <a:endParaRPr dirty="0" lang="en-US"/>
           </a:p>
@@ -3266,7 +3266,7 @@
           <a:p>
             <a:r>
               <a:rPr dirty="0" lang="en-US" smtClean="0"/>
-              <a:t>Faded</a:t>
+              <a:t>FADED</a:t>
             </a:r>
             <a:endParaRPr dirty="0" lang="en-US"/>
           </a:p>
@@ -3348,7 +3348,7 @@
           <a:p>
             <a:r>
               <a:rPr dirty="0" lang="en-US" smtClean="0"/>
-              <a:t>Faded</a:t>
+              <a:t>FADED</a:t>
             </a:r>
             <a:endParaRPr dirty="0" lang="en-US"/>
           </a:p>
@@ -3436,7 +3436,7 @@
           <a:p>
             <a:r>
               <a:rPr dirty="0" lang="en-US" smtClean="0"/>
-              <a:t>Faded</a:t>
+              <a:t>FADED</a:t>
             </a:r>
             <a:endParaRPr dirty="0" lang="en-US"/>
           </a:p>
@@ -3518,7 +3518,7 @@
           <a:p>
             <a:r>
               <a:rPr dirty="0" lang="en-US" smtClean="0"/>
-              <a:t>Faded</a:t>
+              <a:t>FADED</a:t>
             </a:r>
             <a:endParaRPr dirty="0" lang="en-US"/>
           </a:p>
@@ -3600,7 +3600,7 @@
           <a:p>
             <a:r>
               <a:rPr dirty="0" lang="en-US" smtClean="0"/>
-              <a:t>Faded</a:t>
+              <a:t>FADED</a:t>
             </a:r>
             <a:endParaRPr dirty="0" lang="en-US"/>
           </a:p>
@@ -3688,7 +3688,7 @@
           <a:p>
             <a:r>
               <a:rPr dirty="0" lang="en-US" smtClean="0"/>
-              <a:t>Faded</a:t>
+              <a:t>FADED</a:t>
             </a:r>
             <a:endParaRPr dirty="0" lang="en-US"/>
           </a:p>
@@ -3770,7 +3770,7 @@
           <a:p>
             <a:r>
               <a:rPr dirty="0" lang="en-US" smtClean="0"/>
-              <a:t>Faded</a:t>
+              <a:t>FADED</a:t>
             </a:r>
             <a:endParaRPr dirty="0" lang="en-US"/>
           </a:p>
@@ -3864,7 +3864,7 @@
           <a:p>
             <a:r>
               <a:rPr dirty="0" lang="en-US" smtClean="0"/>
-              <a:t>Faded</a:t>
+              <a:t>FADED</a:t>
             </a:r>
             <a:endParaRPr dirty="0" lang="en-US"/>
           </a:p>
@@ -3952,7 +3952,7 @@
           <a:p>
             <a:r>
               <a:rPr dirty="0" lang="en-US" smtClean="0"/>
-              <a:t>Faded</a:t>
+              <a:t>FADED</a:t>
             </a:r>
             <a:endParaRPr dirty="0" lang="en-US"/>
           </a:p>
